--- a/Node JS.pptx
+++ b/Node JS.pptx
@@ -207,7 +207,7 @@
           <p:cNvPr id="3" name="Group 2">
             <a:extLst>
               <a:ext uri="{FF2B5EF4-FFF2-40B4-BE49-F238E27FC236}">
-                <a16:creationId xmlns:a16="http://schemas.microsoft.com/office/drawing/2014/main" xmlns="" id="{75930DF0-104B-4293-A7F6-66AEFF3E6AF8}"/>
+                <a16:creationId xmlns="" xmlns:a16="http://schemas.microsoft.com/office/drawing/2014/main" id="{75930DF0-104B-4293-A7F6-66AEFF3E6AF8}"/>
               </a:ext>
             </a:extLst>
           </p:cNvPr>
@@ -227,7 +227,7 @@
             <p:cNvPr id="4" name="Rectangle: Folded Corner 3">
               <a:extLst>
                 <a:ext uri="{FF2B5EF4-FFF2-40B4-BE49-F238E27FC236}">
-                  <a16:creationId xmlns:a16="http://schemas.microsoft.com/office/drawing/2014/main" xmlns="" id="{9FDF5E90-AE29-4303-979F-161F791D98BB}"/>
+                  <a16:creationId xmlns="" xmlns:a16="http://schemas.microsoft.com/office/drawing/2014/main" id="{9FDF5E90-AE29-4303-979F-161F791D98BB}"/>
                 </a:ext>
               </a:extLst>
             </p:cNvPr>
@@ -353,7 +353,7 @@
             <p:cNvPr id="5" name="Picture 4">
               <a:extLst>
                 <a:ext uri="{FF2B5EF4-FFF2-40B4-BE49-F238E27FC236}">
-                  <a16:creationId xmlns:a16="http://schemas.microsoft.com/office/drawing/2014/main" xmlns="" id="{9C25032D-D31A-446E-BBAA-A896C50E8CFA}"/>
+                  <a16:creationId xmlns="" xmlns:a16="http://schemas.microsoft.com/office/drawing/2014/main" id="{9C25032D-D31A-446E-BBAA-A896C50E8CFA}"/>
                 </a:ext>
               </a:extLst>
             </p:cNvPr>
@@ -414,7 +414,7 @@
           <p:cNvPr id="2" name="Title 1">
             <a:extLst>
               <a:ext uri="{FF2B5EF4-FFF2-40B4-BE49-F238E27FC236}">
-                <a16:creationId xmlns:a16="http://schemas.microsoft.com/office/drawing/2014/main" xmlns="" id="{21DBA510-9A98-445D-874B-C060D070CE78}"/>
+                <a16:creationId xmlns="" xmlns:a16="http://schemas.microsoft.com/office/drawing/2014/main" id="{21DBA510-9A98-445D-874B-C060D070CE78}"/>
               </a:ext>
             </a:extLst>
           </p:cNvPr>
@@ -443,7 +443,7 @@
           <p:cNvPr id="3" name="Content Placeholder 2">
             <a:extLst>
               <a:ext uri="{FF2B5EF4-FFF2-40B4-BE49-F238E27FC236}">
-                <a16:creationId xmlns:a16="http://schemas.microsoft.com/office/drawing/2014/main" xmlns="" id="{17F42B60-19EE-442F-97D5-1202B5A077BE}"/>
+                <a16:creationId xmlns="" xmlns:a16="http://schemas.microsoft.com/office/drawing/2014/main" id="{17F42B60-19EE-442F-97D5-1202B5A077BE}"/>
               </a:ext>
             </a:extLst>
           </p:cNvPr>
@@ -501,7 +501,7 @@
           <p:cNvPr id="4" name="Date Placeholder 3">
             <a:extLst>
               <a:ext uri="{FF2B5EF4-FFF2-40B4-BE49-F238E27FC236}">
-                <a16:creationId xmlns:a16="http://schemas.microsoft.com/office/drawing/2014/main" xmlns="" id="{4B95EC3E-5986-4283-BF27-E61A306313CD}"/>
+                <a16:creationId xmlns="" xmlns:a16="http://schemas.microsoft.com/office/drawing/2014/main" id="{4B95EC3E-5986-4283-BF27-E61A306313CD}"/>
               </a:ext>
             </a:extLst>
           </p:cNvPr>
@@ -519,7 +519,7 @@
           <a:p>
             <a:fld id="{997E942A-26CB-4FC8-A61F-ED7BAF06B75B}" type="datetimeFigureOut">
               <a:rPr lang="en-US" smtClean="0"/>
-              <a:t>9/5/2024</a:t>
+              <a:t>9/6/2024</a:t>
             </a:fld>
             <a:endParaRPr lang="en-US"/>
           </a:p>
@@ -530,7 +530,7 @@
           <p:cNvPr id="5" name="Footer Placeholder 4">
             <a:extLst>
               <a:ext uri="{FF2B5EF4-FFF2-40B4-BE49-F238E27FC236}">
-                <a16:creationId xmlns:a16="http://schemas.microsoft.com/office/drawing/2014/main" xmlns="" id="{73311C75-9A7B-4376-934B-ECA88AD9D6F8}"/>
+                <a16:creationId xmlns="" xmlns:a16="http://schemas.microsoft.com/office/drawing/2014/main" id="{73311C75-9A7B-4376-934B-ECA88AD9D6F8}"/>
               </a:ext>
             </a:extLst>
           </p:cNvPr>
@@ -555,7 +555,7 @@
           <p:cNvPr id="6" name="Slide Number Placeholder 5">
             <a:extLst>
               <a:ext uri="{FF2B5EF4-FFF2-40B4-BE49-F238E27FC236}">
-                <a16:creationId xmlns:a16="http://schemas.microsoft.com/office/drawing/2014/main" xmlns="" id="{01BC7BFE-A20F-41DB-9290-5507C8FC83C6}"/>
+                <a16:creationId xmlns="" xmlns:a16="http://schemas.microsoft.com/office/drawing/2014/main" id="{01BC7BFE-A20F-41DB-9290-5507C8FC83C6}"/>
               </a:ext>
             </a:extLst>
           </p:cNvPr>
@@ -781,7 +781,7 @@
           <a:p>
             <a:fld id="{0AED015D-19C5-4305-B63C-A7725AFD4B0A}" type="datetimeFigureOut">
               <a:rPr lang="en-US" smtClean="0"/>
-              <a:t>9/5/2024</a:t>
+              <a:t>9/6/2024</a:t>
             </a:fld>
             <a:endParaRPr lang="en-US"/>
           </a:p>
@@ -900,7 +900,7 @@
           <a:p>
             <a:fld id="{0AED015D-19C5-4305-B63C-A7725AFD4B0A}" type="datetimeFigureOut">
               <a:rPr lang="en-US" smtClean="0"/>
-              <a:t>9/5/2024</a:t>
+              <a:t>9/6/2024</a:t>
             </a:fld>
             <a:endParaRPr lang="en-US"/>
           </a:p>
@@ -1033,7 +1033,7 @@
           <p:cNvPr id="3" name="Group 2">
             <a:extLst>
               <a:ext uri="{FF2B5EF4-FFF2-40B4-BE49-F238E27FC236}">
-                <a16:creationId xmlns:a16="http://schemas.microsoft.com/office/drawing/2014/main" xmlns="" id="{79C65CE8-4186-4EF3-A508-A12E5E686468}"/>
+                <a16:creationId xmlns="" xmlns:a16="http://schemas.microsoft.com/office/drawing/2014/main" id="{79C65CE8-4186-4EF3-A508-A12E5E686468}"/>
               </a:ext>
             </a:extLst>
           </p:cNvPr>
@@ -1053,7 +1053,7 @@
             <p:cNvPr id="4" name="Rectangle: Folded Corner 3">
               <a:extLst>
                 <a:ext uri="{FF2B5EF4-FFF2-40B4-BE49-F238E27FC236}">
-                  <a16:creationId xmlns:a16="http://schemas.microsoft.com/office/drawing/2014/main" xmlns="" id="{0A32BB05-B08C-4D73-BFF9-25A2D9328D4D}"/>
+                  <a16:creationId xmlns="" xmlns:a16="http://schemas.microsoft.com/office/drawing/2014/main" id="{0A32BB05-B08C-4D73-BFF9-25A2D9328D4D}"/>
                 </a:ext>
               </a:extLst>
             </p:cNvPr>
@@ -1179,7 +1179,7 @@
             <p:cNvPr id="5" name="Picture 4">
               <a:extLst>
                 <a:ext uri="{FF2B5EF4-FFF2-40B4-BE49-F238E27FC236}">
-                  <a16:creationId xmlns:a16="http://schemas.microsoft.com/office/drawing/2014/main" xmlns="" id="{BC568985-A849-45B0-B77A-2F6998D822DB}"/>
+                  <a16:creationId xmlns="" xmlns:a16="http://schemas.microsoft.com/office/drawing/2014/main" id="{BC568985-A849-45B0-B77A-2F6998D822DB}"/>
                 </a:ext>
               </a:extLst>
             </p:cNvPr>
@@ -1407,7 +1407,7 @@
           <a:p>
             <a:fld id="{0AED015D-19C5-4305-B63C-A7725AFD4B0A}" type="datetimeFigureOut">
               <a:rPr lang="en-US" smtClean="0"/>
-              <a:t>9/5/2024</a:t>
+              <a:t>9/6/2024</a:t>
             </a:fld>
             <a:endParaRPr lang="en-US"/>
           </a:p>
@@ -1526,7 +1526,7 @@
           <a:p>
             <a:fld id="{0AED015D-19C5-4305-B63C-A7725AFD4B0A}" type="datetimeFigureOut">
               <a:rPr lang="en-US" smtClean="0"/>
-              <a:t>9/5/2024</a:t>
+              <a:t>9/6/2024</a:t>
             </a:fld>
             <a:endParaRPr lang="en-US"/>
           </a:p>
@@ -2251,7 +2251,7 @@
           <p:cNvPr id="3" name="Group 2">
             <a:extLst>
               <a:ext uri="{FF2B5EF4-FFF2-40B4-BE49-F238E27FC236}">
-                <a16:creationId xmlns:a16="http://schemas.microsoft.com/office/drawing/2014/main" xmlns="" id="{75930DF0-104B-4293-A7F6-66AEFF3E6AF8}"/>
+                <a16:creationId xmlns="" xmlns:a16="http://schemas.microsoft.com/office/drawing/2014/main" id="{75930DF0-104B-4293-A7F6-66AEFF3E6AF8}"/>
               </a:ext>
             </a:extLst>
           </p:cNvPr>
@@ -2271,7 +2271,7 @@
             <p:cNvPr id="4" name="Rectangle: Folded Corner 3">
               <a:extLst>
                 <a:ext uri="{FF2B5EF4-FFF2-40B4-BE49-F238E27FC236}">
-                  <a16:creationId xmlns:a16="http://schemas.microsoft.com/office/drawing/2014/main" xmlns="" id="{9FDF5E90-AE29-4303-979F-161F791D98BB}"/>
+                  <a16:creationId xmlns="" xmlns:a16="http://schemas.microsoft.com/office/drawing/2014/main" id="{9FDF5E90-AE29-4303-979F-161F791D98BB}"/>
                 </a:ext>
               </a:extLst>
             </p:cNvPr>
@@ -2397,7 +2397,7 @@
             <p:cNvPr id="5" name="Picture 4">
               <a:extLst>
                 <a:ext uri="{FF2B5EF4-FFF2-40B4-BE49-F238E27FC236}">
-                  <a16:creationId xmlns:a16="http://schemas.microsoft.com/office/drawing/2014/main" xmlns="" id="{9C25032D-D31A-446E-BBAA-A896C50E8CFA}"/>
+                  <a16:creationId xmlns="" xmlns:a16="http://schemas.microsoft.com/office/drawing/2014/main" id="{9C25032D-D31A-446E-BBAA-A896C50E8CFA}"/>
                 </a:ext>
               </a:extLst>
             </p:cNvPr>
@@ -2428,7 +2428,7 @@
           <p:cNvPr id="6" name="Group 5">
             <a:extLst>
               <a:ext uri="{FF2B5EF4-FFF2-40B4-BE49-F238E27FC236}">
-                <a16:creationId xmlns:a16="http://schemas.microsoft.com/office/drawing/2014/main" xmlns="" id="{79C65CE8-4186-4EF3-A508-A12E5E686468}"/>
+                <a16:creationId xmlns="" xmlns:a16="http://schemas.microsoft.com/office/drawing/2014/main" id="{79C65CE8-4186-4EF3-A508-A12E5E686468}"/>
               </a:ext>
             </a:extLst>
           </p:cNvPr>
@@ -2448,7 +2448,7 @@
             <p:cNvPr id="7" name="Rectangle: Folded Corner 3">
               <a:extLst>
                 <a:ext uri="{FF2B5EF4-FFF2-40B4-BE49-F238E27FC236}">
-                  <a16:creationId xmlns:a16="http://schemas.microsoft.com/office/drawing/2014/main" xmlns="" id="{0A32BB05-B08C-4D73-BFF9-25A2D9328D4D}"/>
+                  <a16:creationId xmlns="" xmlns:a16="http://schemas.microsoft.com/office/drawing/2014/main" id="{0A32BB05-B08C-4D73-BFF9-25A2D9328D4D}"/>
                 </a:ext>
               </a:extLst>
             </p:cNvPr>
@@ -2574,7 +2574,7 @@
             <p:cNvPr id="8" name="Picture 7">
               <a:extLst>
                 <a:ext uri="{FF2B5EF4-FFF2-40B4-BE49-F238E27FC236}">
-                  <a16:creationId xmlns:a16="http://schemas.microsoft.com/office/drawing/2014/main" xmlns="" id="{BC568985-A849-45B0-B77A-2F6998D822DB}"/>
+                  <a16:creationId xmlns="" xmlns:a16="http://schemas.microsoft.com/office/drawing/2014/main" id="{BC568985-A849-45B0-B77A-2F6998D822DB}"/>
                 </a:ext>
               </a:extLst>
             </p:cNvPr>
@@ -2635,7 +2635,7 @@
           <p:cNvPr id="2" name="Title 1">
             <a:extLst>
               <a:ext uri="{FF2B5EF4-FFF2-40B4-BE49-F238E27FC236}">
-                <a16:creationId xmlns:a16="http://schemas.microsoft.com/office/drawing/2014/main" xmlns="" id="{21DBA510-9A98-445D-874B-C060D070CE78}"/>
+                <a16:creationId xmlns="" xmlns:a16="http://schemas.microsoft.com/office/drawing/2014/main" id="{21DBA510-9A98-445D-874B-C060D070CE78}"/>
               </a:ext>
             </a:extLst>
           </p:cNvPr>
@@ -2664,7 +2664,7 @@
           <p:cNvPr id="3" name="Content Placeholder 2">
             <a:extLst>
               <a:ext uri="{FF2B5EF4-FFF2-40B4-BE49-F238E27FC236}">
-                <a16:creationId xmlns:a16="http://schemas.microsoft.com/office/drawing/2014/main" xmlns="" id="{17F42B60-19EE-442F-97D5-1202B5A077BE}"/>
+                <a16:creationId xmlns="" xmlns:a16="http://schemas.microsoft.com/office/drawing/2014/main" id="{17F42B60-19EE-442F-97D5-1202B5A077BE}"/>
               </a:ext>
             </a:extLst>
           </p:cNvPr>
@@ -2722,7 +2722,7 @@
           <p:cNvPr id="4" name="Date Placeholder 3">
             <a:extLst>
               <a:ext uri="{FF2B5EF4-FFF2-40B4-BE49-F238E27FC236}">
-                <a16:creationId xmlns:a16="http://schemas.microsoft.com/office/drawing/2014/main" xmlns="" id="{4B95EC3E-5986-4283-BF27-E61A306313CD}"/>
+                <a16:creationId xmlns="" xmlns:a16="http://schemas.microsoft.com/office/drawing/2014/main" id="{4B95EC3E-5986-4283-BF27-E61A306313CD}"/>
               </a:ext>
             </a:extLst>
           </p:cNvPr>
@@ -2740,7 +2740,7 @@
           <a:p>
             <a:fld id="{1C74DC78-DF93-4149-AFEC-92E412CFC9CB}" type="datetimeFigureOut">
               <a:rPr lang="en-US" smtClean="0"/>
-              <a:t>9/5/2024</a:t>
+              <a:t>9/6/2024</a:t>
             </a:fld>
             <a:endParaRPr lang="en-US"/>
           </a:p>
@@ -2751,7 +2751,7 @@
           <p:cNvPr id="5" name="Footer Placeholder 4">
             <a:extLst>
               <a:ext uri="{FF2B5EF4-FFF2-40B4-BE49-F238E27FC236}">
-                <a16:creationId xmlns:a16="http://schemas.microsoft.com/office/drawing/2014/main" xmlns="" id="{73311C75-9A7B-4376-934B-ECA88AD9D6F8}"/>
+                <a16:creationId xmlns="" xmlns:a16="http://schemas.microsoft.com/office/drawing/2014/main" id="{73311C75-9A7B-4376-934B-ECA88AD9D6F8}"/>
               </a:ext>
             </a:extLst>
           </p:cNvPr>
@@ -2776,7 +2776,7 @@
           <p:cNvPr id="6" name="Slide Number Placeholder 5">
             <a:extLst>
               <a:ext uri="{FF2B5EF4-FFF2-40B4-BE49-F238E27FC236}">
-                <a16:creationId xmlns:a16="http://schemas.microsoft.com/office/drawing/2014/main" xmlns="" id="{01BC7BFE-A20F-41DB-9290-5507C8FC83C6}"/>
+                <a16:creationId xmlns="" xmlns:a16="http://schemas.microsoft.com/office/drawing/2014/main" id="{01BC7BFE-A20F-41DB-9290-5507C8FC83C6}"/>
               </a:ext>
             </a:extLst>
           </p:cNvPr>
@@ -3002,7 +3002,7 @@
           <a:p>
             <a:fld id="{0AED015D-19C5-4305-B63C-A7725AFD4B0A}" type="datetimeFigureOut">
               <a:rPr lang="en-US" smtClean="0"/>
-              <a:t>9/5/2024</a:t>
+              <a:t>9/6/2024</a:t>
             </a:fld>
             <a:endParaRPr lang="en-US"/>
           </a:p>
@@ -3101,7 +3101,7 @@
           <p:cNvPr id="2" name="Title 1">
             <a:extLst>
               <a:ext uri="{FF2B5EF4-FFF2-40B4-BE49-F238E27FC236}">
-                <a16:creationId xmlns:a16="http://schemas.microsoft.com/office/drawing/2014/main" xmlns="" id="{21DBA510-9A98-445D-874B-C060D070CE78}"/>
+                <a16:creationId xmlns="" xmlns:a16="http://schemas.microsoft.com/office/drawing/2014/main" id="{21DBA510-9A98-445D-874B-C060D070CE78}"/>
               </a:ext>
             </a:extLst>
           </p:cNvPr>
@@ -3130,7 +3130,7 @@
           <p:cNvPr id="3" name="Content Placeholder 2">
             <a:extLst>
               <a:ext uri="{FF2B5EF4-FFF2-40B4-BE49-F238E27FC236}">
-                <a16:creationId xmlns:a16="http://schemas.microsoft.com/office/drawing/2014/main" xmlns="" id="{17F42B60-19EE-442F-97D5-1202B5A077BE}"/>
+                <a16:creationId xmlns="" xmlns:a16="http://schemas.microsoft.com/office/drawing/2014/main" id="{17F42B60-19EE-442F-97D5-1202B5A077BE}"/>
               </a:ext>
             </a:extLst>
           </p:cNvPr>
@@ -3188,7 +3188,7 @@
           <p:cNvPr id="4" name="Date Placeholder 3">
             <a:extLst>
               <a:ext uri="{FF2B5EF4-FFF2-40B4-BE49-F238E27FC236}">
-                <a16:creationId xmlns:a16="http://schemas.microsoft.com/office/drawing/2014/main" xmlns="" id="{4B95EC3E-5986-4283-BF27-E61A306313CD}"/>
+                <a16:creationId xmlns="" xmlns:a16="http://schemas.microsoft.com/office/drawing/2014/main" id="{4B95EC3E-5986-4283-BF27-E61A306313CD}"/>
               </a:ext>
             </a:extLst>
           </p:cNvPr>
@@ -3206,7 +3206,7 @@
           <a:p>
             <a:fld id="{0AED015D-19C5-4305-B63C-A7725AFD4B0A}" type="datetimeFigureOut">
               <a:rPr lang="en-US" smtClean="0"/>
-              <a:t>9/5/2024</a:t>
+              <a:t>9/6/2024</a:t>
             </a:fld>
             <a:endParaRPr lang="en-US"/>
           </a:p>
@@ -3217,7 +3217,7 @@
           <p:cNvPr id="5" name="Footer Placeholder 4">
             <a:extLst>
               <a:ext uri="{FF2B5EF4-FFF2-40B4-BE49-F238E27FC236}">
-                <a16:creationId xmlns:a16="http://schemas.microsoft.com/office/drawing/2014/main" xmlns="" id="{73311C75-9A7B-4376-934B-ECA88AD9D6F8}"/>
+                <a16:creationId xmlns="" xmlns:a16="http://schemas.microsoft.com/office/drawing/2014/main" id="{73311C75-9A7B-4376-934B-ECA88AD9D6F8}"/>
               </a:ext>
             </a:extLst>
           </p:cNvPr>
@@ -3242,7 +3242,7 @@
           <p:cNvPr id="6" name="Slide Number Placeholder 5">
             <a:extLst>
               <a:ext uri="{FF2B5EF4-FFF2-40B4-BE49-F238E27FC236}">
-                <a16:creationId xmlns:a16="http://schemas.microsoft.com/office/drawing/2014/main" xmlns="" id="{01BC7BFE-A20F-41DB-9290-5507C8FC83C6}"/>
+                <a16:creationId xmlns="" xmlns:a16="http://schemas.microsoft.com/office/drawing/2014/main" id="{01BC7BFE-A20F-41DB-9290-5507C8FC83C6}"/>
               </a:ext>
             </a:extLst>
           </p:cNvPr>
@@ -3321,7 +3321,7 @@
           <a:p>
             <a:fld id="{0AED015D-19C5-4305-B63C-A7725AFD4B0A}" type="datetimeFigureOut">
               <a:rPr lang="en-US" smtClean="0"/>
-              <a:t>9/5/2024</a:t>
+              <a:t>9/6/2024</a:t>
             </a:fld>
             <a:endParaRPr lang="en-US"/>
           </a:p>
@@ -3454,7 +3454,7 @@
           <p:cNvPr id="3" name="Group 2">
             <a:extLst>
               <a:ext uri="{FF2B5EF4-FFF2-40B4-BE49-F238E27FC236}">
-                <a16:creationId xmlns:a16="http://schemas.microsoft.com/office/drawing/2014/main" xmlns="" id="{79C65CE8-4186-4EF3-A508-A12E5E686468}"/>
+                <a16:creationId xmlns="" xmlns:a16="http://schemas.microsoft.com/office/drawing/2014/main" id="{79C65CE8-4186-4EF3-A508-A12E5E686468}"/>
               </a:ext>
             </a:extLst>
           </p:cNvPr>
@@ -3474,7 +3474,7 @@
             <p:cNvPr id="4" name="Rectangle: Folded Corner 3">
               <a:extLst>
                 <a:ext uri="{FF2B5EF4-FFF2-40B4-BE49-F238E27FC236}">
-                  <a16:creationId xmlns:a16="http://schemas.microsoft.com/office/drawing/2014/main" xmlns="" id="{0A32BB05-B08C-4D73-BFF9-25A2D9328D4D}"/>
+                  <a16:creationId xmlns="" xmlns:a16="http://schemas.microsoft.com/office/drawing/2014/main" id="{0A32BB05-B08C-4D73-BFF9-25A2D9328D4D}"/>
                 </a:ext>
               </a:extLst>
             </p:cNvPr>
@@ -3600,7 +3600,7 @@
             <p:cNvPr id="5" name="Picture 4">
               <a:extLst>
                 <a:ext uri="{FF2B5EF4-FFF2-40B4-BE49-F238E27FC236}">
-                  <a16:creationId xmlns:a16="http://schemas.microsoft.com/office/drawing/2014/main" xmlns="" id="{BC568985-A849-45B0-B77A-2F6998D822DB}"/>
+                  <a16:creationId xmlns="" xmlns:a16="http://schemas.microsoft.com/office/drawing/2014/main" id="{BC568985-A849-45B0-B77A-2F6998D822DB}"/>
                 </a:ext>
               </a:extLst>
             </p:cNvPr>
@@ -3828,7 +3828,7 @@
           <a:p>
             <a:fld id="{0AED015D-19C5-4305-B63C-A7725AFD4B0A}" type="datetimeFigureOut">
               <a:rPr lang="en-US" smtClean="0"/>
-              <a:t>9/5/2024</a:t>
+              <a:t>9/6/2024</a:t>
             </a:fld>
             <a:endParaRPr lang="en-US"/>
           </a:p>
@@ -3947,7 +3947,7 @@
           <a:p>
             <a:fld id="{0AED015D-19C5-4305-B63C-A7725AFD4B0A}" type="datetimeFigureOut">
               <a:rPr lang="en-US" smtClean="0"/>
-              <a:t>9/5/2024</a:t>
+              <a:t>9/6/2024</a:t>
             </a:fld>
             <a:endParaRPr lang="en-US"/>
           </a:p>
@@ -5221,7 +5221,7 @@
           <a:p>
             <a:fld id="{0AED015D-19C5-4305-B63C-A7725AFD4B0A}" type="datetimeFigureOut">
               <a:rPr lang="en-US" smtClean="0"/>
-              <a:t>9/5/2024</a:t>
+              <a:t>9/6/2024</a:t>
             </a:fld>
             <a:endParaRPr lang="en-US"/>
           </a:p>
@@ -5400,7 +5400,7 @@
           <a:p>
             <a:fld id="{0041ED71-3CB5-4078-BCDF-4A62C5D45CFC}" type="datetimeFigureOut">
               <a:rPr lang="en-US" smtClean="0"/>
-              <a:t>9/5/2024</a:t>
+              <a:t>9/6/2024</a:t>
             </a:fld>
             <a:endParaRPr lang="en-US"/>
           </a:p>
@@ -5639,7 +5639,7 @@
           <a:p>
             <a:fld id="{0041ED71-3CB5-4078-BCDF-4A62C5D45CFC}" type="datetimeFigureOut">
               <a:rPr lang="en-US" smtClean="0"/>
-              <a:t>9/5/2024</a:t>
+              <a:t>9/6/2024</a:t>
             </a:fld>
             <a:endParaRPr lang="en-US"/>
           </a:p>
@@ -5752,7 +5752,7 @@
           <a:p>
             <a:fld id="{0041ED71-3CB5-4078-BCDF-4A62C5D45CFC}" type="datetimeFigureOut">
               <a:rPr lang="en-US" smtClean="0"/>
-              <a:t>9/5/2024</a:t>
+              <a:t>9/6/2024</a:t>
             </a:fld>
             <a:endParaRPr lang="en-US"/>
           </a:p>
@@ -6125,7 +6125,7 @@
           <a:p>
             <a:fld id="{0041ED71-3CB5-4078-BCDF-4A62C5D45CFC}" type="datetimeFigureOut">
               <a:rPr lang="en-US" smtClean="0"/>
-              <a:t>9/5/2024</a:t>
+              <a:t>9/6/2024</a:t>
             </a:fld>
             <a:endParaRPr lang="en-US"/>
           </a:p>
@@ -6484,7 +6484,7 @@
           <a:p>
             <a:fld id="{0AED015D-19C5-4305-B63C-A7725AFD4B0A}" type="datetimeFigureOut">
               <a:rPr lang="en-US" smtClean="0"/>
-              <a:t>9/5/2024</a:t>
+              <a:t>9/6/2024</a:t>
             </a:fld>
             <a:endParaRPr lang="en-US"/>
           </a:p>
@@ -6618,7 +6618,7 @@
           <a:p>
             <a:fld id="{0041ED71-3CB5-4078-BCDF-4A62C5D45CFC}" type="datetimeFigureOut">
               <a:rPr lang="en-US" smtClean="0"/>
-              <a:t>9/5/2024</a:t>
+              <a:t>9/6/2024</a:t>
             </a:fld>
             <a:endParaRPr lang="en-US"/>
           </a:p>
@@ -6671,7 +6671,7 @@
           <p:cNvPr id="6" name="Group 5">
             <a:extLst>
               <a:ext uri="{FF2B5EF4-FFF2-40B4-BE49-F238E27FC236}">
-                <a16:creationId xmlns:a16="http://schemas.microsoft.com/office/drawing/2014/main" xmlns="" id="{79C65CE8-4186-4EF3-A508-A12E5E686468}"/>
+                <a16:creationId xmlns="" xmlns:a16="http://schemas.microsoft.com/office/drawing/2014/main" id="{79C65CE8-4186-4EF3-A508-A12E5E686468}"/>
               </a:ext>
             </a:extLst>
           </p:cNvPr>
@@ -6691,7 +6691,7 @@
             <p:cNvPr id="7" name="Rectangle: Folded Corner 3">
               <a:extLst>
                 <a:ext uri="{FF2B5EF4-FFF2-40B4-BE49-F238E27FC236}">
-                  <a16:creationId xmlns:a16="http://schemas.microsoft.com/office/drawing/2014/main" xmlns="" id="{0A32BB05-B08C-4D73-BFF9-25A2D9328D4D}"/>
+                  <a16:creationId xmlns="" xmlns:a16="http://schemas.microsoft.com/office/drawing/2014/main" id="{0A32BB05-B08C-4D73-BFF9-25A2D9328D4D}"/>
                 </a:ext>
               </a:extLst>
             </p:cNvPr>
@@ -6817,7 +6817,7 @@
             <p:cNvPr id="8" name="Picture 7">
               <a:extLst>
                 <a:ext uri="{FF2B5EF4-FFF2-40B4-BE49-F238E27FC236}">
-                  <a16:creationId xmlns:a16="http://schemas.microsoft.com/office/drawing/2014/main" xmlns="" id="{BC568985-A849-45B0-B77A-2F6998D822DB}"/>
+                  <a16:creationId xmlns="" xmlns:a16="http://schemas.microsoft.com/office/drawing/2014/main" id="{BC568985-A849-45B0-B77A-2F6998D822DB}"/>
                 </a:ext>
               </a:extLst>
             </p:cNvPr>
@@ -6885,7 +6885,7 @@
           <a:p>
             <a:fld id="{0AED015D-19C5-4305-B63C-A7725AFD4B0A}" type="datetimeFigureOut">
               <a:rPr lang="en-US" smtClean="0"/>
-              <a:t>9/5/2024</a:t>
+              <a:t>9/6/2024</a:t>
             </a:fld>
             <a:endParaRPr lang="en-US"/>
           </a:p>
@@ -7712,7 +7712,7 @@
           <a:p>
             <a:fld id="{0041ED71-3CB5-4078-BCDF-4A62C5D45CFC}" type="datetimeFigureOut">
               <a:rPr lang="en-US" smtClean="0"/>
-              <a:t>9/5/2024</a:t>
+              <a:t>9/6/2024</a:t>
             </a:fld>
             <a:endParaRPr lang="en-US"/>
           </a:p>
@@ -8543,7 +8543,7 @@
           <a:p>
             <a:fld id="{0041ED71-3CB5-4078-BCDF-4A62C5D45CFC}" type="datetimeFigureOut">
               <a:rPr lang="en-US" smtClean="0"/>
-              <a:t>9/5/2024</a:t>
+              <a:t>9/6/2024</a:t>
             </a:fld>
             <a:endParaRPr lang="en-US"/>
           </a:p>
@@ -8718,7 +8718,7 @@
           <a:p>
             <a:fld id="{0041ED71-3CB5-4078-BCDF-4A62C5D45CFC}" type="datetimeFigureOut">
               <a:rPr lang="en-US" smtClean="0"/>
-              <a:t>9/5/2024</a:t>
+              <a:t>9/6/2024</a:t>
             </a:fld>
             <a:endParaRPr lang="en-US"/>
           </a:p>
@@ -8897,7 +8897,7 @@
           <a:p>
             <a:fld id="{0041ED71-3CB5-4078-BCDF-4A62C5D45CFC}" type="datetimeFigureOut">
               <a:rPr lang="en-US" smtClean="0"/>
-              <a:t>9/5/2024</a:t>
+              <a:t>9/6/2024</a:t>
             </a:fld>
             <a:endParaRPr lang="en-US"/>
           </a:p>
@@ -10362,7 +10362,7 @@
           <a:p>
             <a:fld id="{0AED015D-19C5-4305-B63C-A7725AFD4B0A}" type="datetimeFigureOut">
               <a:rPr lang="en-US" smtClean="0"/>
-              <a:t>9/5/2024</a:t>
+              <a:t>9/6/2024</a:t>
             </a:fld>
             <a:endParaRPr lang="en-US"/>
           </a:p>
@@ -11821,7 +11821,7 @@
           <a:p>
             <a:fld id="{0041ED71-3CB5-4078-BCDF-4A62C5D45CFC}" type="datetimeFigureOut">
               <a:rPr lang="en-US" smtClean="0"/>
-              <a:t>9/5/2024</a:t>
+              <a:t>9/6/2024</a:t>
             </a:fld>
             <a:endParaRPr lang="en-US"/>
           </a:p>
@@ -13329,7 +13329,7 @@
           <a:p>
             <a:fld id="{0041ED71-3CB5-4078-BCDF-4A62C5D45CFC}" type="datetimeFigureOut">
               <a:rPr lang="en-US" smtClean="0"/>
-              <a:t>9/5/2024</a:t>
+              <a:t>9/6/2024</a:t>
             </a:fld>
             <a:endParaRPr lang="en-US"/>
           </a:p>
@@ -14850,7 +14850,7 @@
           <a:p>
             <a:fld id="{0041ED71-3CB5-4078-BCDF-4A62C5D45CFC}" type="datetimeFigureOut">
               <a:rPr lang="en-US" smtClean="0"/>
-              <a:t>9/5/2024</a:t>
+              <a:t>9/6/2024</a:t>
             </a:fld>
             <a:endParaRPr lang="en-US"/>
           </a:p>
@@ -14963,7 +14963,7 @@
           <a:p>
             <a:fld id="{0AED015D-19C5-4305-B63C-A7725AFD4B0A}" type="datetimeFigureOut">
               <a:rPr lang="en-US" smtClean="0"/>
-              <a:t>9/5/2024</a:t>
+              <a:t>9/6/2024</a:t>
             </a:fld>
             <a:endParaRPr lang="en-US"/>
           </a:p>
@@ -16634,7 +16634,7 @@
           <a:p>
             <a:fld id="{0041ED71-3CB5-4078-BCDF-4A62C5D45CFC}" type="datetimeFigureOut">
               <a:rPr lang="en-US" smtClean="0"/>
-              <a:t>9/5/2024</a:t>
+              <a:t>9/6/2024</a:t>
             </a:fld>
             <a:endParaRPr lang="en-US"/>
           </a:p>
@@ -18032,7 +18032,7 @@
           <a:p>
             <a:fld id="{0041ED71-3CB5-4078-BCDF-4A62C5D45CFC}" type="datetimeFigureOut">
               <a:rPr lang="en-US" smtClean="0"/>
-              <a:t>9/5/2024</a:t>
+              <a:t>9/6/2024</a:t>
             </a:fld>
             <a:endParaRPr lang="en-US"/>
           </a:p>
@@ -18085,7 +18085,7 @@
           <p:cNvPr id="32" name="Group 31">
             <a:extLst>
               <a:ext uri="{FF2B5EF4-FFF2-40B4-BE49-F238E27FC236}">
-                <a16:creationId xmlns:a16="http://schemas.microsoft.com/office/drawing/2014/main" xmlns="" id="{79C65CE8-4186-4EF3-A508-A12E5E686468}"/>
+                <a16:creationId xmlns="" xmlns:a16="http://schemas.microsoft.com/office/drawing/2014/main" id="{79C65CE8-4186-4EF3-A508-A12E5E686468}"/>
               </a:ext>
             </a:extLst>
           </p:cNvPr>
@@ -18105,7 +18105,7 @@
             <p:cNvPr id="33" name="Rectangle: Folded Corner 3">
               <a:extLst>
                 <a:ext uri="{FF2B5EF4-FFF2-40B4-BE49-F238E27FC236}">
-                  <a16:creationId xmlns:a16="http://schemas.microsoft.com/office/drawing/2014/main" xmlns="" id="{0A32BB05-B08C-4D73-BFF9-25A2D9328D4D}"/>
+                  <a16:creationId xmlns="" xmlns:a16="http://schemas.microsoft.com/office/drawing/2014/main" id="{0A32BB05-B08C-4D73-BFF9-25A2D9328D4D}"/>
                 </a:ext>
               </a:extLst>
             </p:cNvPr>
@@ -18231,7 +18231,7 @@
             <p:cNvPr id="34" name="Picture 33">
               <a:extLst>
                 <a:ext uri="{FF2B5EF4-FFF2-40B4-BE49-F238E27FC236}">
-                  <a16:creationId xmlns:a16="http://schemas.microsoft.com/office/drawing/2014/main" xmlns="" id="{BC568985-A849-45B0-B77A-2F6998D822DB}"/>
+                  <a16:creationId xmlns="" xmlns:a16="http://schemas.microsoft.com/office/drawing/2014/main" id="{BC568985-A849-45B0-B77A-2F6998D822DB}"/>
                 </a:ext>
               </a:extLst>
             </p:cNvPr>
@@ -18309,7 +18309,7 @@
           <a:p>
             <a:fld id="{0AED015D-19C5-4305-B63C-A7725AFD4B0A}" type="datetimeFigureOut">
               <a:rPr lang="en-US" smtClean="0"/>
-              <a:t>9/5/2024</a:t>
+              <a:t>9/6/2024</a:t>
             </a:fld>
             <a:endParaRPr lang="en-US"/>
           </a:p>
@@ -19835,7 +19835,7 @@
           <a:p>
             <a:fld id="{0041ED71-3CB5-4078-BCDF-4A62C5D45CFC}" type="datetimeFigureOut">
               <a:rPr lang="en-US" smtClean="0"/>
-              <a:t>9/5/2024</a:t>
+              <a:t>9/6/2024</a:t>
             </a:fld>
             <a:endParaRPr lang="en-US"/>
           </a:p>
@@ -21371,7 +21371,7 @@
           <a:p>
             <a:fld id="{0041ED71-3CB5-4078-BCDF-4A62C5D45CFC}" type="datetimeFigureOut">
               <a:rPr lang="en-US" smtClean="0"/>
-              <a:t>9/5/2024</a:t>
+              <a:t>9/6/2024</a:t>
             </a:fld>
             <a:endParaRPr lang="en-US"/>
           </a:p>
@@ -22826,7 +22826,7 @@
           <a:p>
             <a:fld id="{0041ED71-3CB5-4078-BCDF-4A62C5D45CFC}" type="datetimeFigureOut">
               <a:rPr lang="en-US" smtClean="0"/>
-              <a:t>9/5/2024</a:t>
+              <a:t>9/6/2024</a:t>
             </a:fld>
             <a:endParaRPr lang="en-US"/>
           </a:p>
@@ -24279,7 +24279,7 @@
           <a:p>
             <a:fld id="{0041ED71-3CB5-4078-BCDF-4A62C5D45CFC}" type="datetimeFigureOut">
               <a:rPr lang="en-US" smtClean="0"/>
-              <a:t>9/5/2024</a:t>
+              <a:t>9/6/2024</a:t>
             </a:fld>
             <a:endParaRPr lang="en-US"/>
           </a:p>
@@ -24406,7 +24406,7 @@
           <p:cNvPr id="3" name="Group 2">
             <a:extLst>
               <a:ext uri="{FF2B5EF4-FFF2-40B4-BE49-F238E27FC236}">
-                <a16:creationId xmlns:a16="http://schemas.microsoft.com/office/drawing/2014/main" xmlns="" id="{79C65CE8-4186-4EF3-A508-A12E5E686468}"/>
+                <a16:creationId xmlns="" xmlns:a16="http://schemas.microsoft.com/office/drawing/2014/main" id="{79C65CE8-4186-4EF3-A508-A12E5E686468}"/>
               </a:ext>
             </a:extLst>
           </p:cNvPr>
@@ -24426,7 +24426,7 @@
             <p:cNvPr id="4" name="Rectangle: Folded Corner 3">
               <a:extLst>
                 <a:ext uri="{FF2B5EF4-FFF2-40B4-BE49-F238E27FC236}">
-                  <a16:creationId xmlns:a16="http://schemas.microsoft.com/office/drawing/2014/main" xmlns="" id="{0A32BB05-B08C-4D73-BFF9-25A2D9328D4D}"/>
+                  <a16:creationId xmlns="" xmlns:a16="http://schemas.microsoft.com/office/drawing/2014/main" id="{0A32BB05-B08C-4D73-BFF9-25A2D9328D4D}"/>
                 </a:ext>
               </a:extLst>
             </p:cNvPr>
@@ -24552,7 +24552,7 @@
             <p:cNvPr id="5" name="Picture 4">
               <a:extLst>
                 <a:ext uri="{FF2B5EF4-FFF2-40B4-BE49-F238E27FC236}">
-                  <a16:creationId xmlns:a16="http://schemas.microsoft.com/office/drawing/2014/main" xmlns="" id="{BC568985-A849-45B0-B77A-2F6998D822DB}"/>
+                  <a16:creationId xmlns="" xmlns:a16="http://schemas.microsoft.com/office/drawing/2014/main" id="{BC568985-A849-45B0-B77A-2F6998D822DB}"/>
                 </a:ext>
               </a:extLst>
             </p:cNvPr>
@@ -25350,7 +25350,7 @@
           <a:p>
             <a:fld id="{0AED015D-19C5-4305-B63C-A7725AFD4B0A}" type="datetimeFigureOut">
               <a:rPr lang="en-US" smtClean="0"/>
-              <a:t>9/5/2024</a:t>
+              <a:t>9/6/2024</a:t>
             </a:fld>
             <a:endParaRPr lang="en-US"/>
           </a:p>
@@ -25469,7 +25469,7 @@
           <a:p>
             <a:fld id="{0AED015D-19C5-4305-B63C-A7725AFD4B0A}" type="datetimeFigureOut">
               <a:rPr lang="en-US" smtClean="0"/>
-              <a:t>9/5/2024</a:t>
+              <a:t>9/6/2024</a:t>
             </a:fld>
             <a:endParaRPr lang="en-US"/>
           </a:p>
@@ -25624,7 +25624,7 @@
           <p:cNvPr id="3" name="Group 2">
             <a:extLst>
               <a:ext uri="{FF2B5EF4-FFF2-40B4-BE49-F238E27FC236}">
-                <a16:creationId xmlns:a16="http://schemas.microsoft.com/office/drawing/2014/main" xmlns="" id="{75930DF0-104B-4293-A7F6-66AEFF3E6AF8}"/>
+                <a16:creationId xmlns="" xmlns:a16="http://schemas.microsoft.com/office/drawing/2014/main" id="{75930DF0-104B-4293-A7F6-66AEFF3E6AF8}"/>
               </a:ext>
             </a:extLst>
           </p:cNvPr>
@@ -25644,7 +25644,7 @@
             <p:cNvPr id="4" name="Rectangle: Folded Corner 3">
               <a:extLst>
                 <a:ext uri="{FF2B5EF4-FFF2-40B4-BE49-F238E27FC236}">
-                  <a16:creationId xmlns:a16="http://schemas.microsoft.com/office/drawing/2014/main" xmlns="" id="{9FDF5E90-AE29-4303-979F-161F791D98BB}"/>
+                  <a16:creationId xmlns="" xmlns:a16="http://schemas.microsoft.com/office/drawing/2014/main" id="{9FDF5E90-AE29-4303-979F-161F791D98BB}"/>
                 </a:ext>
               </a:extLst>
             </p:cNvPr>
@@ -25770,7 +25770,7 @@
             <p:cNvPr id="5" name="Picture 4">
               <a:extLst>
                 <a:ext uri="{FF2B5EF4-FFF2-40B4-BE49-F238E27FC236}">
-                  <a16:creationId xmlns:a16="http://schemas.microsoft.com/office/drawing/2014/main" xmlns="" id="{9C25032D-D31A-446E-BBAA-A896C50E8CFA}"/>
+                  <a16:creationId xmlns="" xmlns:a16="http://schemas.microsoft.com/office/drawing/2014/main" id="{9C25032D-D31A-446E-BBAA-A896C50E8CFA}"/>
                 </a:ext>
               </a:extLst>
             </p:cNvPr>
@@ -27371,7 +27371,7 @@
             <a:fld id="{B7C3F878-F5E8-489B-AC8A-64F2A7E22C28}" type="datetimeFigureOut">
               <a:rPr lang="en-US" smtClean="0"/>
               <a:pPr/>
-              <a:t>9/5/2024</a:t>
+              <a:t>9/6/2024</a:t>
             </a:fld>
             <a:endParaRPr lang="en-US" dirty="0"/>
           </a:p>
@@ -27967,7 +27967,7 @@
           <a:p>
             <a:fld id="{0041ED71-3CB5-4078-BCDF-4A62C5D45CFC}" type="datetimeFigureOut">
               <a:rPr lang="en-US" smtClean="0"/>
-              <a:t>9/5/2024</a:t>
+              <a:t>9/6/2024</a:t>
             </a:fld>
             <a:endParaRPr lang="en-US"/>
           </a:p>
@@ -29527,7 +29527,7 @@
           <a:p>
             <a:fld id="{997E942A-26CB-4FC8-A61F-ED7BAF06B75B}" type="datetimeFigureOut">
               <a:rPr lang="en-US" smtClean="0"/>
-              <a:t>9/5/2024</a:t>
+              <a:t>9/6/2024</a:t>
             </a:fld>
             <a:endParaRPr lang="en-US"/>
           </a:p>
@@ -32008,7 +32008,7 @@
           <a:p>
             <a:fld id="{997E942A-26CB-4FC8-A61F-ED7BAF06B75B}" type="datetimeFigureOut">
               <a:rPr lang="en-US" smtClean="0"/>
-              <a:t>9/5/2024</a:t>
+              <a:t>9/6/2024</a:t>
             </a:fld>
             <a:endParaRPr lang="en-US"/>
           </a:p>
@@ -34487,7 +34487,7 @@
           <a:p>
             <a:fld id="{997E942A-26CB-4FC8-A61F-ED7BAF06B75B}" type="datetimeFigureOut">
               <a:rPr lang="en-US" smtClean="0"/>
-              <a:t>9/5/2024</a:t>
+              <a:t>9/6/2024</a:t>
             </a:fld>
             <a:endParaRPr lang="en-US"/>
           </a:p>
@@ -35429,7 +35429,7 @@
           </p:cNvPicPr>
           <p:nvPr/>
         </p:nvPicPr>
-        <p:blipFill>
+        <p:blipFill rotWithShape="1">
           <a:blip r:embed="rId2">
             <a:extLst>
               <a:ext uri="{28A0092B-C50C-407E-A947-70E740481C1C}">
@@ -35437,14 +35437,13 @@
               </a:ext>
             </a:extLst>
           </a:blip>
-          <a:stretch>
-            <a:fillRect/>
-          </a:stretch>
+          <a:srcRect b="12898"/>
+          <a:stretch/>
         </p:blipFill>
         <p:spPr>
           <a:xfrm>
-            <a:off x="838200" y="742950"/>
-            <a:ext cx="7239000" cy="3480435"/>
+            <a:off x="1371600" y="1002918"/>
+            <a:ext cx="6553200" cy="3031528"/>
           </a:xfrm>
           <a:prstGeom prst="rect">
             <a:avLst/>
@@ -35503,7 +35502,7 @@
         </p:blipFill>
         <p:spPr>
           <a:xfrm>
-            <a:off x="838200" y="923141"/>
+            <a:off x="838200" y="950931"/>
             <a:ext cx="7543800" cy="3297219"/>
           </a:xfrm>
           <a:prstGeom prst="rect">
@@ -36191,7 +36190,7 @@
   <a:extraClrSchemeLst/>
   <a:extLst>
     <a:ext uri="{05A4C25C-085E-4340-85A3-A5531E510DB2}">
-      <thm15:themeFamily xmlns:thm15="http://schemas.microsoft.com/office/thememl/2012/main" xmlns="" name="Office Theme" id="{62F939B6-93AF-4DB8-9C6B-D6C7DFDC589F}" vid="{4A3C46E8-61CC-4603-A589-7422A47A8E4A}"/>
+      <thm15:themeFamily xmlns="" xmlns:thm15="http://schemas.microsoft.com/office/thememl/2012/main" name="Office Theme" id="{62F939B6-93AF-4DB8-9C6B-D6C7DFDC589F}" vid="{4A3C46E8-61CC-4603-A589-7422A47A8E4A}"/>
     </a:ext>
   </a:extLst>
 </a:theme>
@@ -36714,7 +36713,7 @@
   <a:extraClrSchemeLst/>
   <a:extLst>
     <a:ext uri="{05A4C25C-085E-4340-85A3-A5531E510DB2}">
-      <thm15:themeFamily xmlns="" xmlns:thm15="http://schemas.microsoft.com/office/thememl/2012/main" name="Atlas" id="{5156B0E4-0EB1-49FE-A26B-15F6F698AEC6}" vid="{C0CB9708-C445-4049-9D7F-4C8684E69AF3}"/>
+      <thm15:themeFamily xmlns:thm15="http://schemas.microsoft.com/office/thememl/2012/main" xmlns="" name="Atlas" id="{5156B0E4-0EB1-49FE-A26B-15F6F698AEC6}" vid="{C0CB9708-C445-4049-9D7F-4C8684E69AF3}"/>
     </a:ext>
   </a:extLst>
 </a:theme>
@@ -36975,7 +36974,7 @@
   <a:extraClrSchemeLst/>
   <a:extLst>
     <a:ext uri="{05A4C25C-085E-4340-85A3-A5531E510DB2}">
-      <thm15:themeFamily xmlns:thm15="http://schemas.microsoft.com/office/thememl/2012/main" xmlns="" name="Office Theme" id="{62F939B6-93AF-4DB8-9C6B-D6C7DFDC589F}" vid="{4A3C46E8-61CC-4603-A589-7422A47A8E4A}"/>
+      <thm15:themeFamily xmlns="" xmlns:thm15="http://schemas.microsoft.com/office/thememl/2012/main" name="Office Theme" id="{62F939B6-93AF-4DB8-9C6B-D6C7DFDC589F}" vid="{4A3C46E8-61CC-4603-A589-7422A47A8E4A}"/>
     </a:ext>
   </a:extLst>
 </a:theme>
@@ -37236,7 +37235,7 @@
   <a:extraClrSchemeLst/>
   <a:extLst>
     <a:ext uri="{05A4C25C-085E-4340-85A3-A5531E510DB2}">
-      <thm15:themeFamily xmlns:thm15="http://schemas.microsoft.com/office/thememl/2012/main" xmlns="" name="Office Theme" id="{62F939B6-93AF-4DB8-9C6B-D6C7DFDC589F}" vid="{4A3C46E8-61CC-4603-A589-7422A47A8E4A}"/>
+      <thm15:themeFamily xmlns="" xmlns:thm15="http://schemas.microsoft.com/office/thememl/2012/main" name="Office Theme" id="{62F939B6-93AF-4DB8-9C6B-D6C7DFDC589F}" vid="{4A3C46E8-61CC-4603-A589-7422A47A8E4A}"/>
     </a:ext>
   </a:extLst>
 </a:theme>
@@ -37497,7 +37496,7 @@
   <a:extraClrSchemeLst/>
   <a:extLst>
     <a:ext uri="{05A4C25C-085E-4340-85A3-A5531E510DB2}">
-      <thm15:themeFamily xmlns:thm15="http://schemas.microsoft.com/office/thememl/2012/main" xmlns="" name="Office Theme" id="{62F939B6-93AF-4DB8-9C6B-D6C7DFDC589F}" vid="{4A3C46E8-61CC-4603-A589-7422A47A8E4A}"/>
+      <thm15:themeFamily xmlns="" xmlns:thm15="http://schemas.microsoft.com/office/thememl/2012/main" name="Office Theme" id="{62F939B6-93AF-4DB8-9C6B-D6C7DFDC589F}" vid="{4A3C46E8-61CC-4603-A589-7422A47A8E4A}"/>
     </a:ext>
   </a:extLst>
 </a:theme>
@@ -37758,7 +37757,7 @@
   <a:extraClrSchemeLst/>
   <a:extLst>
     <a:ext uri="{05A4C25C-085E-4340-85A3-A5531E510DB2}">
-      <thm15:themeFamily xmlns:thm15="http://schemas.microsoft.com/office/thememl/2012/main" xmlns="" name="Office Theme" id="{62F939B6-93AF-4DB8-9C6B-D6C7DFDC589F}" vid="{4A3C46E8-61CC-4603-A589-7422A47A8E4A}"/>
+      <thm15:themeFamily xmlns="" xmlns:thm15="http://schemas.microsoft.com/office/thememl/2012/main" name="Office Theme" id="{62F939B6-93AF-4DB8-9C6B-D6C7DFDC589F}" vid="{4A3C46E8-61CC-4603-A589-7422A47A8E4A}"/>
     </a:ext>
   </a:extLst>
 </a:theme>
@@ -38019,7 +38018,7 @@
   <a:extraClrSchemeLst/>
   <a:extLst>
     <a:ext uri="{05A4C25C-085E-4340-85A3-A5531E510DB2}">
-      <thm15:themeFamily xmlns:thm15="http://schemas.microsoft.com/office/thememl/2012/main" xmlns="" name="Office Theme" id="{62F939B6-93AF-4DB8-9C6B-D6C7DFDC589F}" vid="{4A3C46E8-61CC-4603-A589-7422A47A8E4A}"/>
+      <thm15:themeFamily xmlns="" xmlns:thm15="http://schemas.microsoft.com/office/thememl/2012/main" name="Office Theme" id="{62F939B6-93AF-4DB8-9C6B-D6C7DFDC589F}" vid="{4A3C46E8-61CC-4603-A589-7422A47A8E4A}"/>
     </a:ext>
   </a:extLst>
 </a:theme>
@@ -38280,7 +38279,7 @@
   <a:extraClrSchemeLst/>
   <a:extLst>
     <a:ext uri="{05A4C25C-085E-4340-85A3-A5531E510DB2}">
-      <thm15:themeFamily xmlns:thm15="http://schemas.microsoft.com/office/thememl/2012/main" xmlns="" name="Office Theme" id="{62F939B6-93AF-4DB8-9C6B-D6C7DFDC589F}" vid="{4A3C46E8-61CC-4603-A589-7422A47A8E4A}"/>
+      <thm15:themeFamily xmlns="" xmlns:thm15="http://schemas.microsoft.com/office/thememl/2012/main" name="Office Theme" id="{62F939B6-93AF-4DB8-9C6B-D6C7DFDC589F}" vid="{4A3C46E8-61CC-4603-A589-7422A47A8E4A}"/>
     </a:ext>
   </a:extLst>
 </a:theme>
@@ -38541,7 +38540,7 @@
   <a:extraClrSchemeLst/>
   <a:extLst>
     <a:ext uri="{05A4C25C-085E-4340-85A3-A5531E510DB2}">
-      <thm15:themeFamily xmlns:thm15="http://schemas.microsoft.com/office/thememl/2012/main" xmlns="" name="Office Theme" id="{62F939B6-93AF-4DB8-9C6B-D6C7DFDC589F}" vid="{4A3C46E8-61CC-4603-A589-7422A47A8E4A}"/>
+      <thm15:themeFamily xmlns="" xmlns:thm15="http://schemas.microsoft.com/office/thememl/2012/main" name="Office Theme" id="{62F939B6-93AF-4DB8-9C6B-D6C7DFDC589F}" vid="{4A3C46E8-61CC-4603-A589-7422A47A8E4A}"/>
     </a:ext>
   </a:extLst>
 </a:theme>
@@ -38802,7 +38801,7 @@
   <a:extraClrSchemeLst/>
   <a:extLst>
     <a:ext uri="{05A4C25C-085E-4340-85A3-A5531E510DB2}">
-      <thm15:themeFamily xmlns:thm15="http://schemas.microsoft.com/office/thememl/2012/main" xmlns="" name="Office Theme" id="{62F939B6-93AF-4DB8-9C6B-D6C7DFDC589F}" vid="{4A3C46E8-61CC-4603-A589-7422A47A8E4A}"/>
+      <thm15:themeFamily xmlns="" xmlns:thm15="http://schemas.microsoft.com/office/thememl/2012/main" name="Office Theme" id="{62F939B6-93AF-4DB8-9C6B-D6C7DFDC589F}" vid="{4A3C46E8-61CC-4603-A589-7422A47A8E4A}"/>
     </a:ext>
   </a:extLst>
 </a:theme>
